--- a/materials/user_guidance.pptx
+++ b/materials/user_guidance.pptx
@@ -266,7 +266,7 @@
           <a:p>
             <a:fld id="{49528C35-2665-4DB4-A6E2-2A927CCB0993}" type="datetimeFigureOut">
               <a:rPr lang="en-US" smtClean="0"/>
-              <a:t>12/16/2025</a:t>
+              <a:t>12/17/2025</a:t>
             </a:fld>
             <a:endParaRPr lang="en-US"/>
           </a:p>
@@ -464,7 +464,7 @@
           <a:p>
             <a:fld id="{49528C35-2665-4DB4-A6E2-2A927CCB0993}" type="datetimeFigureOut">
               <a:rPr lang="en-US" smtClean="0"/>
-              <a:t>12/16/2025</a:t>
+              <a:t>12/17/2025</a:t>
             </a:fld>
             <a:endParaRPr lang="en-US"/>
           </a:p>
@@ -672,7 +672,7 @@
           <a:p>
             <a:fld id="{49528C35-2665-4DB4-A6E2-2A927CCB0993}" type="datetimeFigureOut">
               <a:rPr lang="en-US" smtClean="0"/>
-              <a:t>12/16/2025</a:t>
+              <a:t>12/17/2025</a:t>
             </a:fld>
             <a:endParaRPr lang="en-US"/>
           </a:p>
@@ -870,7 +870,7 @@
           <a:p>
             <a:fld id="{49528C35-2665-4DB4-A6E2-2A927CCB0993}" type="datetimeFigureOut">
               <a:rPr lang="en-US" smtClean="0"/>
-              <a:t>12/16/2025</a:t>
+              <a:t>12/17/2025</a:t>
             </a:fld>
             <a:endParaRPr lang="en-US"/>
           </a:p>
@@ -1145,7 +1145,7 @@
           <a:p>
             <a:fld id="{49528C35-2665-4DB4-A6E2-2A927CCB0993}" type="datetimeFigureOut">
               <a:rPr lang="en-US" smtClean="0"/>
-              <a:t>12/16/2025</a:t>
+              <a:t>12/17/2025</a:t>
             </a:fld>
             <a:endParaRPr lang="en-US"/>
           </a:p>
@@ -1410,7 +1410,7 @@
           <a:p>
             <a:fld id="{49528C35-2665-4DB4-A6E2-2A927CCB0993}" type="datetimeFigureOut">
               <a:rPr lang="en-US" smtClean="0"/>
-              <a:t>12/16/2025</a:t>
+              <a:t>12/17/2025</a:t>
             </a:fld>
             <a:endParaRPr lang="en-US"/>
           </a:p>
@@ -1822,7 +1822,7 @@
           <a:p>
             <a:fld id="{49528C35-2665-4DB4-A6E2-2A927CCB0993}" type="datetimeFigureOut">
               <a:rPr lang="en-US" smtClean="0"/>
-              <a:t>12/16/2025</a:t>
+              <a:t>12/17/2025</a:t>
             </a:fld>
             <a:endParaRPr lang="en-US"/>
           </a:p>
@@ -1963,7 +1963,7 @@
           <a:p>
             <a:fld id="{49528C35-2665-4DB4-A6E2-2A927CCB0993}" type="datetimeFigureOut">
               <a:rPr lang="en-US" smtClean="0"/>
-              <a:t>12/16/2025</a:t>
+              <a:t>12/17/2025</a:t>
             </a:fld>
             <a:endParaRPr lang="en-US"/>
           </a:p>
@@ -2076,7 +2076,7 @@
           <a:p>
             <a:fld id="{49528C35-2665-4DB4-A6E2-2A927CCB0993}" type="datetimeFigureOut">
               <a:rPr lang="en-US" smtClean="0"/>
-              <a:t>12/16/2025</a:t>
+              <a:t>12/17/2025</a:t>
             </a:fld>
             <a:endParaRPr lang="en-US"/>
           </a:p>
@@ -2387,7 +2387,7 @@
           <a:p>
             <a:fld id="{49528C35-2665-4DB4-A6E2-2A927CCB0993}" type="datetimeFigureOut">
               <a:rPr lang="en-US" smtClean="0"/>
-              <a:t>12/16/2025</a:t>
+              <a:t>12/17/2025</a:t>
             </a:fld>
             <a:endParaRPr lang="en-US"/>
           </a:p>
@@ -2675,7 +2675,7 @@
           <a:p>
             <a:fld id="{49528C35-2665-4DB4-A6E2-2A927CCB0993}" type="datetimeFigureOut">
               <a:rPr lang="en-US" smtClean="0"/>
-              <a:t>12/16/2025</a:t>
+              <a:t>12/17/2025</a:t>
             </a:fld>
             <a:endParaRPr lang="en-US"/>
           </a:p>
@@ -2916,7 +2916,7 @@
           <a:p>
             <a:fld id="{49528C35-2665-4DB4-A6E2-2A927CCB0993}" type="datetimeFigureOut">
               <a:rPr lang="en-US" smtClean="0"/>
-              <a:t>12/16/2025</a:t>
+              <a:t>12/17/2025</a:t>
             </a:fld>
             <a:endParaRPr lang="en-US"/>
           </a:p>
@@ -6544,6 +6544,36 @@
           </a:p>
         </p:txBody>
       </p:sp>
+      <p:pic>
+        <p:nvPicPr>
+          <p:cNvPr id="5" name="Picture 4" descr="A screenshot of a computer&#10;&#10;AI-generated content may be incorrect.">
+            <a:extLst>
+              <a:ext uri="{FF2B5EF4-FFF2-40B4-BE49-F238E27FC236}">
+                <a16:creationId xmlns:a16="http://schemas.microsoft.com/office/drawing/2014/main" id="{33A0D03D-35EC-5936-DB76-B83619A91DFA}"/>
+              </a:ext>
+            </a:extLst>
+          </p:cNvPr>
+          <p:cNvPicPr>
+            <a:picLocks noChangeAspect="1"/>
+          </p:cNvPicPr>
+          <p:nvPr/>
+        </p:nvPicPr>
+        <p:blipFill>
+          <a:blip r:embed="rId3"/>
+          <a:stretch>
+            <a:fillRect/>
+          </a:stretch>
+        </p:blipFill>
+        <p:spPr>
+          <a:xfrm>
+            <a:off x="5654043" y="2827783"/>
+            <a:ext cx="4197566" cy="1339919"/>
+          </a:xfrm>
+          <a:prstGeom prst="rect">
+            <a:avLst/>
+          </a:prstGeom>
+        </p:spPr>
+      </p:pic>
     </p:spTree>
     <p:extLst>
       <p:ext uri="{BB962C8B-B14F-4D97-AF65-F5344CB8AC3E}">
